--- a/Presentation.pptx
+++ b/Presentation.pptx
@@ -460,7 +460,7 @@
           <a:p>
             <a:fld id="{C1E34047-EA58-134A-B286-18BF7AC2C690}" type="datetimeFigureOut">
               <a:rPr lang="en-US" smtClean="0"/>
-              <a:t>9/15/24</a:t>
+              <a:t>9/22/24</a:t>
             </a:fld>
             <a:endParaRPr lang="en-US"/>
           </a:p>
@@ -11793,7 +11793,7 @@
           <a:p>
             <a:fld id="{02EABCE6-4E1F-4440-BD2E-1908BCC61C3F}" type="datetimeFigureOut">
               <a:rPr lang="en-US" smtClean="0"/>
-              <a:t>9/15/24</a:t>
+              <a:t>9/22/24</a:t>
             </a:fld>
             <a:endParaRPr lang="en-US"/>
           </a:p>
@@ -11963,7 +11963,7 @@
           <a:p>
             <a:fld id="{02EABCE6-4E1F-4440-BD2E-1908BCC61C3F}" type="datetimeFigureOut">
               <a:rPr lang="en-US" smtClean="0"/>
-              <a:t>9/15/24</a:t>
+              <a:t>9/22/24</a:t>
             </a:fld>
             <a:endParaRPr lang="en-US"/>
           </a:p>
@@ -12143,7 +12143,7 @@
           <a:p>
             <a:fld id="{02EABCE6-4E1F-4440-BD2E-1908BCC61C3F}" type="datetimeFigureOut">
               <a:rPr lang="en-US" smtClean="0"/>
-              <a:t>9/15/24</a:t>
+              <a:t>9/22/24</a:t>
             </a:fld>
             <a:endParaRPr lang="en-US"/>
           </a:p>
@@ -12313,7 +12313,7 @@
           <a:p>
             <a:fld id="{02EABCE6-4E1F-4440-BD2E-1908BCC61C3F}" type="datetimeFigureOut">
               <a:rPr lang="en-US" smtClean="0"/>
-              <a:t>9/15/24</a:t>
+              <a:t>9/22/24</a:t>
             </a:fld>
             <a:endParaRPr lang="en-US"/>
           </a:p>
@@ -12559,7 +12559,7 @@
           <a:p>
             <a:fld id="{02EABCE6-4E1F-4440-BD2E-1908BCC61C3F}" type="datetimeFigureOut">
               <a:rPr lang="en-US" smtClean="0"/>
-              <a:t>9/15/24</a:t>
+              <a:t>9/22/24</a:t>
             </a:fld>
             <a:endParaRPr lang="en-US"/>
           </a:p>
@@ -12791,7 +12791,7 @@
           <a:p>
             <a:fld id="{02EABCE6-4E1F-4440-BD2E-1908BCC61C3F}" type="datetimeFigureOut">
               <a:rPr lang="en-US" smtClean="0"/>
-              <a:t>9/15/24</a:t>
+              <a:t>9/22/24</a:t>
             </a:fld>
             <a:endParaRPr lang="en-US"/>
           </a:p>
@@ -13158,7 +13158,7 @@
           <a:p>
             <a:fld id="{02EABCE6-4E1F-4440-BD2E-1908BCC61C3F}" type="datetimeFigureOut">
               <a:rPr lang="en-US" smtClean="0"/>
-              <a:t>9/15/24</a:t>
+              <a:t>9/22/24</a:t>
             </a:fld>
             <a:endParaRPr lang="en-US"/>
           </a:p>
@@ -13276,7 +13276,7 @@
           <a:p>
             <a:fld id="{02EABCE6-4E1F-4440-BD2E-1908BCC61C3F}" type="datetimeFigureOut">
               <a:rPr lang="en-US" smtClean="0"/>
-              <a:t>9/15/24</a:t>
+              <a:t>9/22/24</a:t>
             </a:fld>
             <a:endParaRPr lang="en-US"/>
           </a:p>
@@ -13371,7 +13371,7 @@
           <a:p>
             <a:fld id="{02EABCE6-4E1F-4440-BD2E-1908BCC61C3F}" type="datetimeFigureOut">
               <a:rPr lang="en-US" smtClean="0"/>
-              <a:t>9/15/24</a:t>
+              <a:t>9/22/24</a:t>
             </a:fld>
             <a:endParaRPr lang="en-US"/>
           </a:p>
@@ -13648,7 +13648,7 @@
           <a:p>
             <a:fld id="{02EABCE6-4E1F-4440-BD2E-1908BCC61C3F}" type="datetimeFigureOut">
               <a:rPr lang="en-US" smtClean="0"/>
-              <a:t>9/15/24</a:t>
+              <a:t>9/22/24</a:t>
             </a:fld>
             <a:endParaRPr lang="en-US"/>
           </a:p>
@@ -13905,7 +13905,7 @@
           <a:p>
             <a:fld id="{02EABCE6-4E1F-4440-BD2E-1908BCC61C3F}" type="datetimeFigureOut">
               <a:rPr lang="en-US" smtClean="0"/>
-              <a:t>9/15/24</a:t>
+              <a:t>9/22/24</a:t>
             </a:fld>
             <a:endParaRPr lang="en-US"/>
           </a:p>
@@ -14118,7 +14118,7 @@
           <a:p>
             <a:fld id="{02EABCE6-4E1F-4440-BD2E-1908BCC61C3F}" type="datetimeFigureOut">
               <a:rPr lang="en-US" smtClean="0"/>
-              <a:t>9/15/24</a:t>
+              <a:t>9/22/24</a:t>
             </a:fld>
             <a:endParaRPr lang="en-US"/>
           </a:p>
@@ -19829,7 +19829,7 @@
           <a:p>
             <a:r>
               <a:rPr lang="en-US" dirty="0"/>
-              <a:t>Other Sectors / Industries</a:t>
+              <a:t>Sectors / Industries</a:t>
             </a:r>
           </a:p>
         </p:txBody>
@@ -20711,34 +20711,6 @@
           <a:chExt cx="0" cy="0"/>
         </a:xfrm>
       </p:grpSpPr>
-      <p:sp>
-        <p:nvSpPr>
-          <p:cNvPr id="2" name="Title 1">
-            <a:extLst>
-              <a:ext uri="{FF2B5EF4-FFF2-40B4-BE49-F238E27FC236}">
-                <a16:creationId xmlns:a16="http://schemas.microsoft.com/office/drawing/2014/main" id="{060C4091-615A-5D13-0C81-0D0BDE02F2D5}"/>
-              </a:ext>
-            </a:extLst>
-          </p:cNvPr>
-          <p:cNvSpPr>
-            <a:spLocks noGrp="1"/>
-          </p:cNvSpPr>
-          <p:nvPr>
-            <p:ph type="title"/>
-          </p:nvPr>
-        </p:nvSpPr>
-        <p:spPr/>
-        <p:txBody>
-          <a:bodyPr/>
-          <a:lstStyle/>
-          <a:p>
-            <a:r>
-              <a:rPr lang="en-US" dirty="0"/>
-              <a:t>Question 3</a:t>
-            </a:r>
-          </a:p>
-        </p:txBody>
-      </p:sp>
       <p:pic>
         <p:nvPicPr>
           <p:cNvPr id="6" name="Picture 5">
@@ -20948,6 +20920,31 @@
               </a:rPr>
               <a:t>What IP Address?</a:t>
             </a:r>
+          </a:p>
+        </p:txBody>
+      </p:sp>
+      <p:sp>
+        <p:nvSpPr>
+          <p:cNvPr id="9" name="Title 8">
+            <a:extLst>
+              <a:ext uri="{FF2B5EF4-FFF2-40B4-BE49-F238E27FC236}">
+                <a16:creationId xmlns:a16="http://schemas.microsoft.com/office/drawing/2014/main" id="{D45EFB35-FF8F-FC4F-76CD-52E58391F319}"/>
+              </a:ext>
+            </a:extLst>
+          </p:cNvPr>
+          <p:cNvSpPr>
+            <a:spLocks noGrp="1"/>
+          </p:cNvSpPr>
+          <p:nvPr>
+            <p:ph type="title"/>
+          </p:nvPr>
+        </p:nvSpPr>
+        <p:spPr/>
+        <p:txBody>
+          <a:bodyPr/>
+          <a:lstStyle/>
+          <a:p>
+            <a:endParaRPr lang="en-US"/>
           </a:p>
         </p:txBody>
       </p:sp>
@@ -21350,34 +21347,6 @@
       </p:grpSpPr>
       <p:sp>
         <p:nvSpPr>
-          <p:cNvPr id="2" name="Title 1">
-            <a:extLst>
-              <a:ext uri="{FF2B5EF4-FFF2-40B4-BE49-F238E27FC236}">
-                <a16:creationId xmlns:a16="http://schemas.microsoft.com/office/drawing/2014/main" id="{060C4091-615A-5D13-0C81-0D0BDE02F2D5}"/>
-              </a:ext>
-            </a:extLst>
-          </p:cNvPr>
-          <p:cNvSpPr>
-            <a:spLocks noGrp="1"/>
-          </p:cNvSpPr>
-          <p:nvPr>
-            <p:ph type="title"/>
-          </p:nvPr>
-        </p:nvSpPr>
-        <p:spPr/>
-        <p:txBody>
-          <a:bodyPr/>
-          <a:lstStyle/>
-          <a:p>
-            <a:r>
-              <a:rPr lang="en-US" dirty="0"/>
-              <a:t>Question 4</a:t>
-            </a:r>
-          </a:p>
-        </p:txBody>
-      </p:sp>
-      <p:sp>
-        <p:nvSpPr>
           <p:cNvPr id="3" name="Content Placeholder 2">
             <a:extLst>
               <a:ext uri="{FF2B5EF4-FFF2-40B4-BE49-F238E27FC236}">
@@ -21431,6 +21400,31 @@
           </a:prstGeom>
         </p:spPr>
       </p:pic>
+      <p:sp>
+        <p:nvSpPr>
+          <p:cNvPr id="6" name="Title 5">
+            <a:extLst>
+              <a:ext uri="{FF2B5EF4-FFF2-40B4-BE49-F238E27FC236}">
+                <a16:creationId xmlns:a16="http://schemas.microsoft.com/office/drawing/2014/main" id="{45754899-2BBF-ADD2-4830-17BF32F9A6F2}"/>
+              </a:ext>
+            </a:extLst>
+          </p:cNvPr>
+          <p:cNvSpPr>
+            <a:spLocks noGrp="1"/>
+          </p:cNvSpPr>
+          <p:nvPr>
+            <p:ph type="title"/>
+          </p:nvPr>
+        </p:nvSpPr>
+        <p:spPr/>
+        <p:txBody>
+          <a:bodyPr/>
+          <a:lstStyle/>
+          <a:p>
+            <a:endParaRPr lang="en-US"/>
+          </a:p>
+        </p:txBody>
+      </p:sp>
     </p:spTree>
     <p:extLst>
       <p:ext uri="{BB962C8B-B14F-4D97-AF65-F5344CB8AC3E}">
@@ -26129,7 +26123,7 @@
           <a:p>
             <a:r>
               <a:rPr lang="en-US" sz="3600" dirty="0"/>
-              <a:t>Server Admin</a:t>
+              <a:t>Server Administrator</a:t>
             </a:r>
           </a:p>
         </p:txBody>

--- a/Presentation.pptx
+++ b/Presentation.pptx
@@ -460,7 +460,7 @@
           <a:p>
             <a:fld id="{C1E34047-EA58-134A-B286-18BF7AC2C690}" type="datetimeFigureOut">
               <a:rPr lang="en-US" smtClean="0"/>
-              <a:t>9/22/24</a:t>
+              <a:t>9/23/24</a:t>
             </a:fld>
             <a:endParaRPr lang="en-US"/>
           </a:p>
@@ -11793,7 +11793,7 @@
           <a:p>
             <a:fld id="{02EABCE6-4E1F-4440-BD2E-1908BCC61C3F}" type="datetimeFigureOut">
               <a:rPr lang="en-US" smtClean="0"/>
-              <a:t>9/22/24</a:t>
+              <a:t>9/23/24</a:t>
             </a:fld>
             <a:endParaRPr lang="en-US"/>
           </a:p>
@@ -11963,7 +11963,7 @@
           <a:p>
             <a:fld id="{02EABCE6-4E1F-4440-BD2E-1908BCC61C3F}" type="datetimeFigureOut">
               <a:rPr lang="en-US" smtClean="0"/>
-              <a:t>9/22/24</a:t>
+              <a:t>9/23/24</a:t>
             </a:fld>
             <a:endParaRPr lang="en-US"/>
           </a:p>
@@ -12143,7 +12143,7 @@
           <a:p>
             <a:fld id="{02EABCE6-4E1F-4440-BD2E-1908BCC61C3F}" type="datetimeFigureOut">
               <a:rPr lang="en-US" smtClean="0"/>
-              <a:t>9/22/24</a:t>
+              <a:t>9/23/24</a:t>
             </a:fld>
             <a:endParaRPr lang="en-US"/>
           </a:p>
@@ -12313,7 +12313,7 @@
           <a:p>
             <a:fld id="{02EABCE6-4E1F-4440-BD2E-1908BCC61C3F}" type="datetimeFigureOut">
               <a:rPr lang="en-US" smtClean="0"/>
-              <a:t>9/22/24</a:t>
+              <a:t>9/23/24</a:t>
             </a:fld>
             <a:endParaRPr lang="en-US"/>
           </a:p>
@@ -12559,7 +12559,7 @@
           <a:p>
             <a:fld id="{02EABCE6-4E1F-4440-BD2E-1908BCC61C3F}" type="datetimeFigureOut">
               <a:rPr lang="en-US" smtClean="0"/>
-              <a:t>9/22/24</a:t>
+              <a:t>9/23/24</a:t>
             </a:fld>
             <a:endParaRPr lang="en-US"/>
           </a:p>
@@ -12791,7 +12791,7 @@
           <a:p>
             <a:fld id="{02EABCE6-4E1F-4440-BD2E-1908BCC61C3F}" type="datetimeFigureOut">
               <a:rPr lang="en-US" smtClean="0"/>
-              <a:t>9/22/24</a:t>
+              <a:t>9/23/24</a:t>
             </a:fld>
             <a:endParaRPr lang="en-US"/>
           </a:p>
@@ -13158,7 +13158,7 @@
           <a:p>
             <a:fld id="{02EABCE6-4E1F-4440-BD2E-1908BCC61C3F}" type="datetimeFigureOut">
               <a:rPr lang="en-US" smtClean="0"/>
-              <a:t>9/22/24</a:t>
+              <a:t>9/23/24</a:t>
             </a:fld>
             <a:endParaRPr lang="en-US"/>
           </a:p>
@@ -13276,7 +13276,7 @@
           <a:p>
             <a:fld id="{02EABCE6-4E1F-4440-BD2E-1908BCC61C3F}" type="datetimeFigureOut">
               <a:rPr lang="en-US" smtClean="0"/>
-              <a:t>9/22/24</a:t>
+              <a:t>9/23/24</a:t>
             </a:fld>
             <a:endParaRPr lang="en-US"/>
           </a:p>
@@ -13371,7 +13371,7 @@
           <a:p>
             <a:fld id="{02EABCE6-4E1F-4440-BD2E-1908BCC61C3F}" type="datetimeFigureOut">
               <a:rPr lang="en-US" smtClean="0"/>
-              <a:t>9/22/24</a:t>
+              <a:t>9/23/24</a:t>
             </a:fld>
             <a:endParaRPr lang="en-US"/>
           </a:p>
@@ -13648,7 +13648,7 @@
           <a:p>
             <a:fld id="{02EABCE6-4E1F-4440-BD2E-1908BCC61C3F}" type="datetimeFigureOut">
               <a:rPr lang="en-US" smtClean="0"/>
-              <a:t>9/22/24</a:t>
+              <a:t>9/23/24</a:t>
             </a:fld>
             <a:endParaRPr lang="en-US"/>
           </a:p>
@@ -13905,7 +13905,7 @@
           <a:p>
             <a:fld id="{02EABCE6-4E1F-4440-BD2E-1908BCC61C3F}" type="datetimeFigureOut">
               <a:rPr lang="en-US" smtClean="0"/>
-              <a:t>9/22/24</a:t>
+              <a:t>9/23/24</a:t>
             </a:fld>
             <a:endParaRPr lang="en-US"/>
           </a:p>
@@ -14118,7 +14118,7 @@
           <a:p>
             <a:fld id="{02EABCE6-4E1F-4440-BD2E-1908BCC61C3F}" type="datetimeFigureOut">
               <a:rPr lang="en-US" smtClean="0"/>
-              <a:t>9/22/24</a:t>
+              <a:t>9/23/24</a:t>
             </a:fld>
             <a:endParaRPr lang="en-US"/>
           </a:p>
@@ -14591,6 +14591,16 @@
               <a:t>Director of Engineering</a:t>
             </a:r>
           </a:p>
+          <a:p>
+            <a:r>
+              <a:rPr lang="en-US" sz="3600" dirty="0" err="1"/>
+              <a:t>Djangonaut</a:t>
+            </a:r>
+            <a:r>
+              <a:rPr lang="en-US" sz="3600" dirty="0"/>
+              <a:t> Space Navigator</a:t>
+            </a:r>
+          </a:p>
         </p:txBody>
       </p:sp>
     </p:spTree>
@@ -14738,6 +14748,55 @@
                                           <p:spTgt spid="3">
                                             <p:txEl>
                                               <p:pRg st="2" end="2"/>
+                                            </p:txEl>
+                                          </p:spTgt>
+                                        </p:tgtEl>
+                                        <p:attrNameLst>
+                                          <p:attrName>style.visibility</p:attrName>
+                                        </p:attrNameLst>
+                                      </p:cBhvr>
+                                      <p:to>
+                                        <p:strVal val="visible"/>
+                                      </p:to>
+                                    </p:set>
+                                  </p:childTnLst>
+                                </p:cTn>
+                              </p:par>
+                            </p:childTnLst>
+                          </p:cTn>
+                        </p:par>
+                      </p:childTnLst>
+                    </p:cTn>
+                  </p:par>
+                  <p:par>
+                    <p:cTn id="15" fill="hold">
+                      <p:stCondLst>
+                        <p:cond delay="indefinite"/>
+                      </p:stCondLst>
+                      <p:childTnLst>
+                        <p:par>
+                          <p:cTn id="16" fill="hold">
+                            <p:stCondLst>
+                              <p:cond delay="0"/>
+                            </p:stCondLst>
+                            <p:childTnLst>
+                              <p:par>
+                                <p:cTn id="17" presetID="1" presetClass="entr" presetSubtype="0" fill="hold" grpId="0" nodeType="clickEffect">
+                                  <p:stCondLst>
+                                    <p:cond delay="0"/>
+                                  </p:stCondLst>
+                                  <p:childTnLst>
+                                    <p:set>
+                                      <p:cBhvr>
+                                        <p:cTn id="18" dur="1" fill="hold">
+                                          <p:stCondLst>
+                                            <p:cond delay="0"/>
+                                          </p:stCondLst>
+                                        </p:cTn>
+                                        <p:tgtEl>
+                                          <p:spTgt spid="3">
+                                            <p:txEl>
+                                              <p:pRg st="3" end="3"/>
                                             </p:txEl>
                                           </p:spTgt>
                                         </p:tgtEl>
